--- a/1.csEntry/Ge1_4_条件分岐と繰り返し処理.pptx
+++ b/1.csEntry/Ge1_4_条件分岐と繰り返し処理.pptx
@@ -292,7 +292,7 @@
           <a:p>
             <a:fld id="{691E08CE-871E-42A1-882B-8194E9FA60B7}" type="datetimeFigureOut">
               <a:rPr kumimoji="1" lang="ja-JP" altLang="en-US" smtClean="0"/>
-              <a:t>2023/5/9</a:t>
+              <a:t>2024/5/16</a:t>
             </a:fld>
             <a:endParaRPr kumimoji="1" lang="ja-JP" altLang="en-US"/>
           </a:p>
@@ -522,7 +522,7 @@
           <a:p>
             <a:fld id="{691E08CE-871E-42A1-882B-8194E9FA60B7}" type="datetimeFigureOut">
               <a:rPr kumimoji="1" lang="ja-JP" altLang="en-US" smtClean="0"/>
-              <a:t>2023/5/9</a:t>
+              <a:t>2024/5/16</a:t>
             </a:fld>
             <a:endParaRPr kumimoji="1" lang="ja-JP" altLang="en-US"/>
           </a:p>
@@ -762,7 +762,7 @@
           <a:p>
             <a:fld id="{691E08CE-871E-42A1-882B-8194E9FA60B7}" type="datetimeFigureOut">
               <a:rPr kumimoji="1" lang="ja-JP" altLang="en-US" smtClean="0"/>
-              <a:t>2023/5/9</a:t>
+              <a:t>2024/5/16</a:t>
             </a:fld>
             <a:endParaRPr kumimoji="1" lang="ja-JP" altLang="en-US"/>
           </a:p>
@@ -992,7 +992,7 @@
           <a:p>
             <a:fld id="{691E08CE-871E-42A1-882B-8194E9FA60B7}" type="datetimeFigureOut">
               <a:rPr kumimoji="1" lang="ja-JP" altLang="en-US" smtClean="0"/>
-              <a:t>2023/5/9</a:t>
+              <a:t>2024/5/16</a:t>
             </a:fld>
             <a:endParaRPr kumimoji="1" lang="ja-JP" altLang="en-US"/>
           </a:p>
@@ -1267,7 +1267,7 @@
           <a:p>
             <a:fld id="{691E08CE-871E-42A1-882B-8194E9FA60B7}" type="datetimeFigureOut">
               <a:rPr kumimoji="1" lang="ja-JP" altLang="en-US" smtClean="0"/>
-              <a:t>2023/5/9</a:t>
+              <a:t>2024/5/16</a:t>
             </a:fld>
             <a:endParaRPr kumimoji="1" lang="ja-JP" altLang="en-US"/>
           </a:p>
@@ -1596,7 +1596,7 @@
           <a:p>
             <a:fld id="{691E08CE-871E-42A1-882B-8194E9FA60B7}" type="datetimeFigureOut">
               <a:rPr kumimoji="1" lang="ja-JP" altLang="en-US" smtClean="0"/>
-              <a:t>2023/5/9</a:t>
+              <a:t>2024/5/16</a:t>
             </a:fld>
             <a:endParaRPr kumimoji="1" lang="ja-JP" altLang="en-US"/>
           </a:p>
@@ -2072,7 +2072,7 @@
           <a:p>
             <a:fld id="{691E08CE-871E-42A1-882B-8194E9FA60B7}" type="datetimeFigureOut">
               <a:rPr kumimoji="1" lang="ja-JP" altLang="en-US" smtClean="0"/>
-              <a:t>2023/5/9</a:t>
+              <a:t>2024/5/16</a:t>
             </a:fld>
             <a:endParaRPr kumimoji="1" lang="ja-JP" altLang="en-US"/>
           </a:p>
@@ -2213,7 +2213,7 @@
           <a:p>
             <a:fld id="{691E08CE-871E-42A1-882B-8194E9FA60B7}" type="datetimeFigureOut">
               <a:rPr kumimoji="1" lang="ja-JP" altLang="en-US" smtClean="0"/>
-              <a:t>2023/5/9</a:t>
+              <a:t>2024/5/16</a:t>
             </a:fld>
             <a:endParaRPr kumimoji="1" lang="ja-JP" altLang="en-US"/>
           </a:p>
@@ -2326,7 +2326,7 @@
           <a:p>
             <a:fld id="{691E08CE-871E-42A1-882B-8194E9FA60B7}" type="datetimeFigureOut">
               <a:rPr kumimoji="1" lang="ja-JP" altLang="en-US" smtClean="0"/>
-              <a:t>2023/5/9</a:t>
+              <a:t>2024/5/16</a:t>
             </a:fld>
             <a:endParaRPr kumimoji="1" lang="ja-JP" altLang="en-US"/>
           </a:p>
@@ -2669,7 +2669,7 @@
           <a:p>
             <a:fld id="{691E08CE-871E-42A1-882B-8194E9FA60B7}" type="datetimeFigureOut">
               <a:rPr kumimoji="1" lang="ja-JP" altLang="en-US" smtClean="0"/>
-              <a:t>2023/5/9</a:t>
+              <a:t>2024/5/16</a:t>
             </a:fld>
             <a:endParaRPr kumimoji="1" lang="ja-JP" altLang="en-US"/>
           </a:p>
@@ -2957,7 +2957,7 @@
           <a:p>
             <a:fld id="{691E08CE-871E-42A1-882B-8194E9FA60B7}" type="datetimeFigureOut">
               <a:rPr kumimoji="1" lang="ja-JP" altLang="en-US" smtClean="0"/>
-              <a:t>2023/5/9</a:t>
+              <a:t>2024/5/16</a:t>
             </a:fld>
             <a:endParaRPr kumimoji="1" lang="ja-JP" altLang="en-US"/>
           </a:p>
@@ -3230,7 +3230,7 @@
           <a:p>
             <a:fld id="{691E08CE-871E-42A1-882B-8194E9FA60B7}" type="datetimeFigureOut">
               <a:rPr kumimoji="1" lang="ja-JP" altLang="en-US" smtClean="0"/>
-              <a:t>2023/5/9</a:t>
+              <a:t>2024/5/16</a:t>
             </a:fld>
             <a:endParaRPr kumimoji="1" lang="ja-JP" altLang="en-US"/>
           </a:p>
@@ -11795,8 +11795,8 @@
         </p:blipFill>
         <p:spPr>
           <a:xfrm>
-            <a:off x="6287236" y="4334267"/>
-            <a:ext cx="5904764" cy="2498169"/>
+            <a:off x="3867151" y="4334267"/>
+            <a:ext cx="8324850" cy="2498169"/>
           </a:xfrm>
           <a:prstGeom prst="rect">
             <a:avLst/>
